--- a/발표자료/2DGP_first_ppt.pptx
+++ b/발표자료/2DGP_first_ppt.pptx
@@ -199,7 +199,7 @@
           <a:p>
             <a:fld id="{7CDB04CD-6352-41A8-86E0-6B6458182D46}" type="datetimeFigureOut">
               <a:rPr lang="ko-KR" altLang="en-US" smtClean="0"/>
-              <a:t>2025-11-11</a:t>
+              <a:t>11-12 (Wed)</a:t>
             </a:fld>
             <a:endParaRPr lang="ko-KR" altLang="en-US"/>
           </a:p>
@@ -873,7 +873,7 @@
           <a:p>
             <a:fld id="{0A05899E-4311-4D8A-8264-FC7795701C63}" type="datetimeFigureOut">
               <a:rPr lang="ko-KR" altLang="en-US" smtClean="0"/>
-              <a:t>2025-11-11</a:t>
+              <a:t>11-12 (Wed)</a:t>
             </a:fld>
             <a:endParaRPr lang="ko-KR" altLang="en-US"/>
           </a:p>
@@ -1043,7 +1043,7 @@
           <a:p>
             <a:fld id="{0A05899E-4311-4D8A-8264-FC7795701C63}" type="datetimeFigureOut">
               <a:rPr lang="ko-KR" altLang="en-US" smtClean="0"/>
-              <a:t>2025-11-11</a:t>
+              <a:t>11-12 (Wed)</a:t>
             </a:fld>
             <a:endParaRPr lang="ko-KR" altLang="en-US"/>
           </a:p>
@@ -1223,7 +1223,7 @@
           <a:p>
             <a:fld id="{0A05899E-4311-4D8A-8264-FC7795701C63}" type="datetimeFigureOut">
               <a:rPr lang="ko-KR" altLang="en-US" smtClean="0"/>
-              <a:t>2025-11-11</a:t>
+              <a:t>11-12 (Wed)</a:t>
             </a:fld>
             <a:endParaRPr lang="ko-KR" altLang="en-US"/>
           </a:p>
@@ -1393,7 +1393,7 @@
           <a:p>
             <a:fld id="{0A05899E-4311-4D8A-8264-FC7795701C63}" type="datetimeFigureOut">
               <a:rPr lang="ko-KR" altLang="en-US" smtClean="0"/>
-              <a:t>2025-11-11</a:t>
+              <a:t>11-12 (Wed)</a:t>
             </a:fld>
             <a:endParaRPr lang="ko-KR" altLang="en-US"/>
           </a:p>
@@ -1639,7 +1639,7 @@
           <a:p>
             <a:fld id="{0A05899E-4311-4D8A-8264-FC7795701C63}" type="datetimeFigureOut">
               <a:rPr lang="ko-KR" altLang="en-US" smtClean="0"/>
-              <a:t>2025-11-11</a:t>
+              <a:t>11-12 (Wed)</a:t>
             </a:fld>
             <a:endParaRPr lang="ko-KR" altLang="en-US"/>
           </a:p>
@@ -1871,7 +1871,7 @@
           <a:p>
             <a:fld id="{0A05899E-4311-4D8A-8264-FC7795701C63}" type="datetimeFigureOut">
               <a:rPr lang="ko-KR" altLang="en-US" smtClean="0"/>
-              <a:t>2025-11-11</a:t>
+              <a:t>11-12 (Wed)</a:t>
             </a:fld>
             <a:endParaRPr lang="ko-KR" altLang="en-US"/>
           </a:p>
@@ -2238,7 +2238,7 @@
           <a:p>
             <a:fld id="{0A05899E-4311-4D8A-8264-FC7795701C63}" type="datetimeFigureOut">
               <a:rPr lang="ko-KR" altLang="en-US" smtClean="0"/>
-              <a:t>2025-11-11</a:t>
+              <a:t>11-12 (Wed)</a:t>
             </a:fld>
             <a:endParaRPr lang="ko-KR" altLang="en-US"/>
           </a:p>
@@ -2356,7 +2356,7 @@
           <a:p>
             <a:fld id="{0A05899E-4311-4D8A-8264-FC7795701C63}" type="datetimeFigureOut">
               <a:rPr lang="ko-KR" altLang="en-US" smtClean="0"/>
-              <a:t>2025-11-11</a:t>
+              <a:t>11-12 (Wed)</a:t>
             </a:fld>
             <a:endParaRPr lang="ko-KR" altLang="en-US"/>
           </a:p>
@@ -2451,7 +2451,7 @@
           <a:p>
             <a:fld id="{0A05899E-4311-4D8A-8264-FC7795701C63}" type="datetimeFigureOut">
               <a:rPr lang="ko-KR" altLang="en-US" smtClean="0"/>
-              <a:t>2025-11-11</a:t>
+              <a:t>11-12 (Wed)</a:t>
             </a:fld>
             <a:endParaRPr lang="ko-KR" altLang="en-US"/>
           </a:p>
@@ -2728,7 +2728,7 @@
           <a:p>
             <a:fld id="{0A05899E-4311-4D8A-8264-FC7795701C63}" type="datetimeFigureOut">
               <a:rPr lang="ko-KR" altLang="en-US" smtClean="0"/>
-              <a:t>2025-11-11</a:t>
+              <a:t>11-12 (Wed)</a:t>
             </a:fld>
             <a:endParaRPr lang="ko-KR" altLang="en-US"/>
           </a:p>
@@ -2985,7 +2985,7 @@
           <a:p>
             <a:fld id="{0A05899E-4311-4D8A-8264-FC7795701C63}" type="datetimeFigureOut">
               <a:rPr lang="ko-KR" altLang="en-US" smtClean="0"/>
-              <a:t>2025-11-11</a:t>
+              <a:t>11-12 (Wed)</a:t>
             </a:fld>
             <a:endParaRPr lang="ko-KR" altLang="en-US"/>
           </a:p>
@@ -3198,7 +3198,7 @@
           <a:p>
             <a:fld id="{0A05899E-4311-4D8A-8264-FC7795701C63}" type="datetimeFigureOut">
               <a:rPr lang="ko-KR" altLang="en-US" smtClean="0"/>
-              <a:t>2025-11-11</a:t>
+              <a:t>11-12 (Wed)</a:t>
             </a:fld>
             <a:endParaRPr lang="ko-KR" altLang="en-US"/>
           </a:p>
@@ -5337,6 +5337,84 @@
           </a:graphicData>
         </a:graphic>
       </p:graphicFrame>
+      <p:sp>
+        <p:nvSpPr>
+          <p:cNvPr id="4" name="직사각형 3">
+            <a:extLst>
+              <a:ext uri="{FF2B5EF4-FFF2-40B4-BE49-F238E27FC236}">
+                <a16:creationId xmlns:a16="http://schemas.microsoft.com/office/drawing/2014/main" id="{5F8A273C-9786-9034-91B9-46E59D139784}"/>
+              </a:ext>
+            </a:extLst>
+          </p:cNvPr>
+          <p:cNvSpPr/>
+          <p:nvPr/>
+        </p:nvSpPr>
+        <p:spPr>
+          <a:xfrm>
+            <a:off x="8067675" y="4433887"/>
+            <a:ext cx="4143375" cy="1838325"/>
+          </a:xfrm>
+          <a:prstGeom prst="rect">
+            <a:avLst/>
+          </a:prstGeom>
+          <a:solidFill>
+            <a:schemeClr val="bg1">
+              <a:alpha val="68000"/>
+            </a:schemeClr>
+          </a:solidFill>
+          <a:ln>
+            <a:noFill/>
+          </a:ln>
+        </p:spPr>
+        <p:style>
+          <a:lnRef idx="2">
+            <a:schemeClr val="accent1">
+              <a:shade val="15000"/>
+            </a:schemeClr>
+          </a:lnRef>
+          <a:fillRef idx="1">
+            <a:schemeClr val="accent1"/>
+          </a:fillRef>
+          <a:effectRef idx="0">
+            <a:schemeClr val="accent1"/>
+          </a:effectRef>
+          <a:fontRef idx="minor">
+            <a:schemeClr val="lt1"/>
+          </a:fontRef>
+        </p:style>
+        <p:txBody>
+          <a:bodyPr rtlCol="0" anchor="ctr"/>
+          <a:lstStyle/>
+          <a:p>
+            <a:pPr algn="ctr"/>
+            <a:r>
+              <a:rPr lang="ko-KR" altLang="en-US" dirty="0">
+                <a:latin typeface="G마켓 산스 TTF Bold" panose="02000000000000000000" pitchFamily="2" charset="-128"/>
+                <a:ea typeface="G마켓 산스 TTF Bold" panose="02000000000000000000" pitchFamily="2" charset="-128"/>
+              </a:rPr>
+              <a:t>평균 진행률</a:t>
+            </a:r>
+            <a:endParaRPr lang="en-US" altLang="ko-KR" dirty="0">
+              <a:latin typeface="G마켓 산스 TTF Bold" panose="02000000000000000000" pitchFamily="2" charset="-128"/>
+              <a:ea typeface="G마켓 산스 TTF Bold" panose="02000000000000000000" pitchFamily="2" charset="-128"/>
+            </a:endParaRPr>
+          </a:p>
+          <a:p>
+            <a:pPr algn="ctr"/>
+            <a:r>
+              <a:rPr lang="en-US" altLang="ko-KR" dirty="0">
+                <a:latin typeface="G마켓 산스 TTF Bold" panose="02000000000000000000" pitchFamily="2" charset="-128"/>
+                <a:ea typeface="G마켓 산스 TTF Bold" panose="02000000000000000000" pitchFamily="2" charset="-128"/>
+              </a:rPr>
+              <a:t>96%</a:t>
+            </a:r>
+            <a:endParaRPr lang="ko-KR" altLang="en-US" dirty="0">
+              <a:latin typeface="G마켓 산스 TTF Bold" panose="02000000000000000000" pitchFamily="2" charset="-128"/>
+              <a:ea typeface="G마켓 산스 TTF Bold" panose="02000000000000000000" pitchFamily="2" charset="-128"/>
+            </a:endParaRPr>
+          </a:p>
+        </p:txBody>
+      </p:sp>
     </p:spTree>
     <p:extLst>
       <p:ext uri="{BB962C8B-B14F-4D97-AF65-F5344CB8AC3E}">
@@ -5474,10 +5552,10 @@
       </p:sp>
       <p:pic>
         <p:nvPicPr>
-          <p:cNvPr id="3" name="그림 2">
+          <p:cNvPr id="4" name="그림 3">
             <a:extLst>
               <a:ext uri="{FF2B5EF4-FFF2-40B4-BE49-F238E27FC236}">
-                <a16:creationId xmlns:a16="http://schemas.microsoft.com/office/drawing/2014/main" id="{2053D05C-E1E8-B693-71BE-71AB4D906FF2}"/>
+                <a16:creationId xmlns:a16="http://schemas.microsoft.com/office/drawing/2014/main" id="{8895B770-26BD-8F1D-78E7-8CEB777AB187}"/>
               </a:ext>
             </a:extLst>
           </p:cNvPr>
@@ -5494,8 +5572,8 @@
         </p:blipFill>
         <p:spPr>
           <a:xfrm>
-            <a:off x="2424426" y="1242230"/>
-            <a:ext cx="7343147" cy="4373540"/>
+            <a:off x="1780573" y="871180"/>
+            <a:ext cx="8630854" cy="5115639"/>
           </a:xfrm>
           <a:prstGeom prst="rect">
             <a:avLst/>
